--- a/Hands-on Modules/Embedding/9. Embedding Module.pptx
+++ b/Hands-on Modules/Embedding/9. Embedding Module.pptx
@@ -119,6 +119,11 @@
       </a:defRPr>
     </a:lvl9pPr>
   </p:defaultTextStyle>
+  <p:extLst>
+    <p:ext uri="{EFAFB233-063F-42B5-8137-9DF3F51BA10A}">
+      <p15:sldGuideLst xmlns:p15="http://schemas.microsoft.com/office/powerpoint/2012/main"/>
+    </p:ext>
+  </p:extLst>
 </p:presentation>
 </file>
 
@@ -204,7 +209,7 @@
           <a:p>
             <a:fld id="{A5E98B92-C0B5-4678-86B5-68F423B12508}" type="datetimeFigureOut">
               <a:rPr lang="en-US" smtClean="0"/>
-              <a:t>2/21/2019</a:t>
+              <a:t>2/22/2019</a:t>
             </a:fld>
             <a:endParaRPr lang="en-US"/>
           </a:p>
@@ -858,7 +863,7 @@
                 <a:tabLst/>
                 <a:defRPr/>
               </a:pPr>
-              <a:t>2/21/2019 10:26 PM</a:t>
+              <a:t>2/22/2019 3:20 AM</a:t>
             </a:fld>
             <a:endParaRPr kumimoji="0" lang="en-US" sz="1200" b="0" i="0" u="none" strike="noStrike" kern="1200" cap="none" spc="0" normalizeH="0" baseline="0" noProof="0" dirty="0">
               <a:ln>
@@ -6348,7 +6353,7 @@
             <a:fld id="{2E809A50-B28D-413A-915D-87F91E5248C6}" type="datetimeFigureOut">
               <a:rPr lang="en-US" smtClean="0"/>
               <a:pPr/>
-              <a:t>2/21/2019</a:t>
+              <a:t>2/22/2019</a:t>
             </a:fld>
             <a:endParaRPr lang="en-US"/>
           </a:p>
@@ -7995,7 +8000,7 @@
           <a:p>
             <a:fld id="{1279C872-40C5-4778-A459-913B2790679C}" type="datetimeFigureOut">
               <a:rPr lang="en-US" smtClean="0"/>
-              <a:t>2/21/2019</a:t>
+              <a:t>2/22/2019</a:t>
             </a:fld>
             <a:endParaRPr lang="en-US"/>
           </a:p>
@@ -8260,7 +8265,7 @@
           <a:p>
             <a:fld id="{1279C872-40C5-4778-A459-913B2790679C}" type="datetimeFigureOut">
               <a:rPr lang="en-US" smtClean="0"/>
-              <a:t>2/21/2019</a:t>
+              <a:t>2/22/2019</a:t>
             </a:fld>
             <a:endParaRPr lang="en-US"/>
           </a:p>
@@ -8672,7 +8677,7 @@
           <a:p>
             <a:fld id="{1279C872-40C5-4778-A459-913B2790679C}" type="datetimeFigureOut">
               <a:rPr lang="en-US" smtClean="0"/>
-              <a:t>2/21/2019</a:t>
+              <a:t>2/22/2019</a:t>
             </a:fld>
             <a:endParaRPr lang="en-US"/>
           </a:p>
@@ -10594,7 +10599,7 @@
             <a:pPr marL="742950" indent="-742950"/>
             <a:r>
               <a:rPr lang="en-US" sz="4800" dirty="0"/>
-              <a:t>Call REST API to open power BI report securely</a:t>
+              <a:t>Call REST API to open Power BI report securely</a:t>
             </a:r>
           </a:p>
           <a:p>
@@ -10662,7 +10667,7 @@
           <a:p>
             <a:r>
               <a:rPr lang="en-US" sz="3600" dirty="0"/>
-              <a:t>REST API Part</a:t>
+              <a:t>REST API</a:t>
             </a:r>
           </a:p>
         </p:txBody>
@@ -10695,7 +10700,7 @@
             </a:r>
             <a:r>
               <a:rPr lang="en-US" sz="2400" dirty="0" err="1"/>
-              <a:t>GetTocken</a:t>
+              <a:t>GetToken</a:t>
             </a:r>
             <a:r>
               <a:rPr lang="en-US" sz="2400" dirty="0"/>
@@ -10749,7 +10754,7 @@
           <a:p>
             <a:r>
               <a:rPr lang="en-US" sz="2400" dirty="0"/>
-              <a:t>Remember Access Token from result</a:t>
+              <a:t>Remember the values for Access Token from result</a:t>
             </a:r>
           </a:p>
         </p:txBody>
@@ -10859,7 +10864,7 @@
           <a:p>
             <a:r>
               <a:rPr lang="en-US" sz="3600" dirty="0"/>
-              <a:t>REST API Part</a:t>
+              <a:t>REST API</a:t>
             </a:r>
           </a:p>
         </p:txBody>
@@ -11029,7 +11034,14 @@
           <a:p>
             <a:r>
               <a:rPr lang="en-US" sz="2400" dirty="0"/>
-              <a:t>Remember Token from result [it is embed token]</a:t>
+              <a:t>Remember Token from the result </a:t>
+            </a:r>
+          </a:p>
+          <a:p>
+            <a:pPr lvl="1"/>
+            <a:r>
+              <a:rPr lang="en-US" sz="1616" dirty="0"/>
+              <a:t>Embed token</a:t>
             </a:r>
           </a:p>
           <a:p>
@@ -11189,19 +11201,24 @@
                   <a:schemeClr val="tx1"/>
                 </a:solidFill>
               </a:rPr>
-              <a:t>Report Id</a:t>
+              <a:t>Report ID</a:t>
             </a:r>
           </a:p>
           <a:p>
             <a:pPr marL="800100" lvl="1" indent="-342900"/>
             <a:r>
-              <a:rPr lang="en-US" sz="2400" dirty="0">
+              <a:rPr lang="en-US" sz="2400">
                 <a:solidFill>
                   <a:schemeClr val="tx1"/>
                 </a:solidFill>
               </a:rPr>
-              <a:t>Group Id</a:t>
-            </a:r>
+              <a:t>Group ID</a:t>
+            </a:r>
+            <a:endParaRPr lang="en-US" sz="2400" dirty="0">
+              <a:solidFill>
+                <a:schemeClr val="tx1"/>
+              </a:solidFill>
+            </a:endParaRPr>
           </a:p>
           <a:p>
             <a:r>
@@ -11410,7 +11427,7 @@
           <a:p>
             <a:r>
               <a:rPr lang="en-US" sz="3600" dirty="0"/>
-              <a:t>Registered your app for Power BI</a:t>
+              <a:t>App Registration Tool</a:t>
             </a:r>
           </a:p>
         </p:txBody>
@@ -11428,21 +11445,31 @@
         <p:spPr>
           <a:xfrm>
             <a:off x="269241" y="1189175"/>
-            <a:ext cx="5378548" cy="1335750"/>
+            <a:ext cx="5378548" cy="1822037"/>
           </a:xfrm>
         </p:spPr>
         <p:txBody>
           <a:bodyPr/>
           <a:lstStyle/>
           <a:p>
-            <a:pPr algn="l"/>
+            <a:pPr marL="0" indent="0" algn="l">
+              <a:buNone/>
+            </a:pPr>
             <a:r>
               <a:rPr lang="en-US" sz="2400" dirty="0"/>
-              <a:t>Open below URL and Sign-in using Power BI Pro credentials</a:t>
-            </a:r>
-          </a:p>
-          <a:p>
-            <a:pPr algn="l"/>
+              <a:t>Step 1: Sign in to Power BI’s developer portal to register your application</a:t>
+            </a:r>
+          </a:p>
+          <a:p>
+            <a:pPr marL="0" indent="0" algn="l">
+              <a:buNone/>
+            </a:pPr>
+            <a:endParaRPr lang="en-US" sz="2400" dirty="0"/>
+          </a:p>
+          <a:p>
+            <a:pPr marL="0" indent="0" algn="l">
+              <a:buNone/>
+            </a:pPr>
             <a:r>
               <a:rPr lang="en-US" sz="2400" u="sng" dirty="0"/>
               <a:t>https://dev.powerbi.com/apps</a:t>
@@ -11552,7 +11579,7 @@
           <a:p>
             <a:r>
               <a:rPr lang="en-US" sz="3600" dirty="0"/>
-              <a:t>Registered your app for Power BI</a:t>
+              <a:t>App Registration Tool</a:t>
             </a:r>
           </a:p>
         </p:txBody>
@@ -11574,20 +11601,29 @@
           </a:bodyPr>
           <a:lstStyle/>
           <a:p>
+            <a:pPr marL="0" indent="0">
+              <a:buNone/>
+            </a:pPr>
             <a:r>
               <a:rPr lang="en-US" sz="2400" dirty="0"/>
-              <a:t>Registered App (Step 2) </a:t>
-            </a:r>
-          </a:p>
-          <a:p>
+              <a:t>Step 2: Register your app by filling in the required fields</a:t>
+            </a:r>
+          </a:p>
+          <a:p>
+            <a:pPr marL="0" indent="0">
+              <a:buNone/>
+            </a:pPr>
             <a:r>
               <a:rPr lang="en-US" sz="2400" dirty="0"/>
-              <a:t>Please remember Application name, Client Id</a:t>
-            </a:r>
-          </a:p>
-          <a:p>
-            <a:r>
-              <a:rPr lang="en-US" sz="2400" dirty="0"/>
+              <a:t>Remember the values for Application Name and Client ID</a:t>
+            </a:r>
+          </a:p>
+          <a:p>
+            <a:pPr marL="239025" lvl="1" indent="0">
+              <a:buNone/>
+            </a:pPr>
+            <a:r>
+              <a:rPr lang="en-US" sz="1616" dirty="0"/>
               <a:t>Example Client ID : 7114bf2f-8aad-49ad-8a7c-2e80e9b6fbba</a:t>
             </a:r>
           </a:p>
@@ -11695,7 +11731,7 @@
           <a:p>
             <a:r>
               <a:rPr lang="en-US" sz="3600" dirty="0"/>
-              <a:t>Registered your app for Power BI</a:t>
+              <a:t>Grant Permission</a:t>
             </a:r>
           </a:p>
         </p:txBody>
@@ -11710,31 +11746,81 @@
             <p:ph type="body" sz="quarter" idx="10"/>
           </p:nvPr>
         </p:nvSpPr>
-        <p:spPr/>
+        <p:spPr>
+          <a:xfrm>
+            <a:off x="269240" y="1189175"/>
+            <a:ext cx="5933197" cy="4631054"/>
+          </a:xfrm>
+        </p:spPr>
         <p:txBody>
           <a:bodyPr>
             <a:noAutofit/>
           </a:bodyPr>
           <a:lstStyle/>
           <a:p>
-            <a:pPr algn="l">
-              <a:buFont typeface="Wingdings" pitchFamily="2" charset="2"/>
-              <a:buChar char="v"/>
-            </a:pPr>
+            <a:pPr algn="l"/>
             <a:r>
               <a:rPr lang="en-US" sz="2400" dirty="0"/>
-              <a:t> Open Azure portal using the same Power BI Pro account and registered your app (Azure Active Directory)</a:t>
+              <a:t>Open the</a:t>
+            </a:r>
+            <a:r>
+              <a:rPr lang="en-US" sz="2400" dirty="0">
+                <a:solidFill>
+                  <a:schemeClr val="tx1">
+                    <a:lumMod val="95000"/>
+                  </a:schemeClr>
+                </a:solidFill>
+              </a:rPr>
+              <a:t> </a:t>
+            </a:r>
+            <a:r>
+              <a:rPr lang="en-US" sz="2400" dirty="0">
+                <a:solidFill>
+                  <a:schemeClr val="tx1">
+                    <a:lumMod val="95000"/>
+                  </a:schemeClr>
+                </a:solidFill>
+                <a:hlinkClick r:id="rId2" action="ppaction://hlinkfile">
+                  <a:extLst>
+                    <a:ext uri="{A12FA001-AC4F-418D-AE19-62706E023703}">
+                      <ahyp:hlinkClr xmlns:ahyp="http://schemas.microsoft.com/office/drawing/2018/hyperlinkcolor" val="tx"/>
+                    </a:ext>
+                  </a:extLst>
+                </a:hlinkClick>
+              </a:rPr>
+              <a:t>Azure Portal </a:t>
+            </a:r>
+            <a:r>
+              <a:rPr lang="en-US" sz="2400" dirty="0"/>
+              <a:t>using the same Power BI Pro account used to register the application</a:t>
             </a:r>
           </a:p>
           <a:p>
             <a:pPr algn="l"/>
             <a:r>
-              <a:rPr lang="en-US" sz="2400" dirty="0" err="1"/>
-              <a:t>Goto</a:t>
-            </a:r>
-            <a:r>
               <a:rPr lang="en-US" sz="2400" dirty="0"/>
-              <a:t>  Setting -&gt; Required Permission -&gt; Grant Permission (select All)</a:t>
+              <a:t>Navigate to: Azure Active Directory</a:t>
+            </a:r>
+          </a:p>
+          <a:p>
+            <a:pPr algn="l"/>
+            <a:r>
+              <a:rPr lang="en-US" sz="2400" dirty="0"/>
+              <a:t>Setting -&gt; </a:t>
+            </a:r>
+          </a:p>
+          <a:p>
+            <a:pPr algn="l"/>
+            <a:r>
+              <a:rPr lang="en-US" sz="2400" dirty="0"/>
+              <a:t>	Required Permission -&gt; </a:t>
+            </a:r>
+          </a:p>
+          <a:p>
+            <a:pPr algn="l"/>
+            <a:r>
+              <a:rPr lang="en-US" sz="2400" dirty="0"/>
+              <a:t>		Grant Permission (select All)</a:t>
             </a:r>
           </a:p>
         </p:txBody>
@@ -11771,7 +11857,7 @@
           <p:nvPr/>
         </p:nvPicPr>
         <p:blipFill>
-          <a:blip r:embed="rId2" cstate="print"/>
+          <a:blip r:embed="rId3" cstate="print"/>
           <a:srcRect/>
           <a:stretch>
             <a:fillRect/>
@@ -11779,8 +11865,8 @@
         </p:blipFill>
         <p:spPr bwMode="auto">
           <a:xfrm>
-            <a:off x="5562600" y="1189174"/>
-            <a:ext cx="6629400" cy="3429000"/>
+            <a:off x="6899502" y="1044030"/>
+            <a:ext cx="4667971" cy="3429000"/>
           </a:xfrm>
           <a:prstGeom prst="rect">
             <a:avLst/>
@@ -12258,8 +12344,18 @@
                   <a:schemeClr val="tx1"/>
                 </a:solidFill>
               </a:rPr>
-              <a:t>Copy URL from the popup window.</a:t>
-            </a:r>
+              <a:t>Copy the URL from the popup window.</a:t>
+            </a:r>
+          </a:p>
+          <a:p>
+            <a:pPr marL="0" indent="0">
+              <a:buNone/>
+            </a:pPr>
+            <a:endParaRPr lang="en-US" sz="2400" dirty="0">
+              <a:solidFill>
+                <a:schemeClr val="tx1"/>
+              </a:solidFill>
+            </a:endParaRPr>
           </a:p>
           <a:p>
             <a:pPr lvl="1"/>
@@ -12290,10 +12386,18 @@
             <a:r>
               <a:rPr lang="en-US" sz="1616" dirty="0">
                 <a:solidFill>
+                  <a:srgbClr val="FFFF00"/>
+                </a:solidFill>
+              </a:rPr>
+              <a:t>Report ID </a:t>
+            </a:r>
+            <a:r>
+              <a:rPr lang="en-US" sz="1616" dirty="0">
+                <a:solidFill>
                   <a:schemeClr val="tx1"/>
                 </a:solidFill>
               </a:rPr>
-              <a:t>Report Id = </a:t>
+              <a:t>= </a:t>
             </a:r>
             <a:r>
               <a:rPr lang="en-US" sz="1616" u="sng" dirty="0">
@@ -12321,10 +12425,18 @@
             <a:r>
               <a:rPr lang="en-US" sz="1616" dirty="0">
                 <a:solidFill>
+                  <a:srgbClr val="FFFF00"/>
+                </a:solidFill>
+              </a:rPr>
+              <a:t>Group ID </a:t>
+            </a:r>
+            <a:r>
+              <a:rPr lang="en-US" sz="1616" dirty="0">
+                <a:solidFill>
                   <a:schemeClr val="tx1"/>
                 </a:solidFill>
               </a:rPr>
-              <a:t>Group Id = </a:t>
+              <a:t>= </a:t>
             </a:r>
             <a:r>
               <a:rPr lang="en-US" sz="1616" u="sng" dirty="0">
@@ -12348,29 +12460,53 @@
             </a:endParaRPr>
           </a:p>
           <a:p>
+            <a:endParaRPr lang="en-US" sz="2400" dirty="0">
+              <a:solidFill>
+                <a:schemeClr val="tx1"/>
+              </a:solidFill>
+            </a:endParaRPr>
+          </a:p>
+          <a:p>
             <a:r>
               <a:rPr lang="en-US" sz="2400" dirty="0">
                 <a:solidFill>
                   <a:schemeClr val="tx1"/>
                 </a:solidFill>
               </a:rPr>
-              <a:t>Please note embed </a:t>
-            </a:r>
-            <a:r>
-              <a:rPr lang="en-US" sz="2400" dirty="0" err="1">
+              <a:t>Remember the values for </a:t>
+            </a:r>
+          </a:p>
+          <a:p>
+            <a:pPr lvl="1"/>
+            <a:r>
+              <a:rPr lang="en-US" sz="1616" dirty="0">
                 <a:solidFill>
                   <a:schemeClr val="tx1"/>
                 </a:solidFill>
               </a:rPr>
-              <a:t>url</a:t>
-            </a:r>
-            <a:r>
-              <a:rPr lang="en-US" sz="2400" dirty="0">
+              <a:t>Embed URL</a:t>
+            </a:r>
+          </a:p>
+          <a:p>
+            <a:pPr lvl="1"/>
+            <a:r>
+              <a:rPr lang="en-US" sz="1616" dirty="0">
                 <a:solidFill>
                   <a:schemeClr val="tx1"/>
                 </a:solidFill>
               </a:rPr>
-              <a:t>, group id and report id</a:t>
+              <a:t>Group ID</a:t>
+            </a:r>
+          </a:p>
+          <a:p>
+            <a:pPr lvl="1"/>
+            <a:r>
+              <a:rPr lang="en-US" sz="1616" dirty="0">
+                <a:solidFill>
+                  <a:schemeClr val="tx1"/>
+                </a:solidFill>
+              </a:rPr>
+              <a:t>Report ID</a:t>
             </a:r>
           </a:p>
         </p:txBody>
